--- a/CPEE1/jQuery.pptx
+++ b/CPEE1/jQuery.pptx
@@ -24,6 +24,10 @@
     <p:sldId id="395" r:id="rId18"/>
     <p:sldId id="396" r:id="rId19"/>
     <p:sldId id="394" r:id="rId20"/>
+    <p:sldId id="397" r:id="rId21"/>
+    <p:sldId id="398" r:id="rId22"/>
+    <p:sldId id="399" r:id="rId23"/>
+    <p:sldId id="400" r:id="rId24"/>
   </p:sldIdLst>
   <p:sldSz cx="9144000" cy="6858000" type="screen4x3"/>
   <p:notesSz cx="6858000" cy="9144000"/>
@@ -306,7 +310,7 @@
           <a:p>
             <a:fld id="{713DCFBF-1251-4F71-8BFB-150CFD910DA2}" type="datetimeFigureOut">
               <a:rPr lang="en-US" smtClean="0"/>
-              <a:t>4/25/2018</a:t>
+              <a:t>5/2/2018</a:t>
             </a:fld>
             <a:endParaRPr lang="en-US"/>
           </a:p>
@@ -476,7 +480,7 @@
           <a:p>
             <a:fld id="{713DCFBF-1251-4F71-8BFB-150CFD910DA2}" type="datetimeFigureOut">
               <a:rPr lang="en-US" smtClean="0"/>
-              <a:t>4/25/2018</a:t>
+              <a:t>5/2/2018</a:t>
             </a:fld>
             <a:endParaRPr lang="en-US"/>
           </a:p>
@@ -656,7 +660,7 @@
           <a:p>
             <a:fld id="{713DCFBF-1251-4F71-8BFB-150CFD910DA2}" type="datetimeFigureOut">
               <a:rPr lang="en-US" smtClean="0"/>
-              <a:t>4/25/2018</a:t>
+              <a:t>5/2/2018</a:t>
             </a:fld>
             <a:endParaRPr lang="en-US"/>
           </a:p>
@@ -826,7 +830,7 @@
           <a:p>
             <a:fld id="{713DCFBF-1251-4F71-8BFB-150CFD910DA2}" type="datetimeFigureOut">
               <a:rPr lang="en-US" smtClean="0"/>
-              <a:t>4/25/2018</a:t>
+              <a:t>5/2/2018</a:t>
             </a:fld>
             <a:endParaRPr lang="en-US"/>
           </a:p>
@@ -1072,7 +1076,7 @@
           <a:p>
             <a:fld id="{713DCFBF-1251-4F71-8BFB-150CFD910DA2}" type="datetimeFigureOut">
               <a:rPr lang="en-US" smtClean="0"/>
-              <a:t>4/25/2018</a:t>
+              <a:t>5/2/2018</a:t>
             </a:fld>
             <a:endParaRPr lang="en-US"/>
           </a:p>
@@ -1360,7 +1364,7 @@
           <a:p>
             <a:fld id="{713DCFBF-1251-4F71-8BFB-150CFD910DA2}" type="datetimeFigureOut">
               <a:rPr lang="en-US" smtClean="0"/>
-              <a:t>4/25/2018</a:t>
+              <a:t>5/2/2018</a:t>
             </a:fld>
             <a:endParaRPr lang="en-US"/>
           </a:p>
@@ -1782,7 +1786,7 @@
           <a:p>
             <a:fld id="{713DCFBF-1251-4F71-8BFB-150CFD910DA2}" type="datetimeFigureOut">
               <a:rPr lang="en-US" smtClean="0"/>
-              <a:t>4/25/2018</a:t>
+              <a:t>5/2/2018</a:t>
             </a:fld>
             <a:endParaRPr lang="en-US"/>
           </a:p>
@@ -1900,7 +1904,7 @@
           <a:p>
             <a:fld id="{713DCFBF-1251-4F71-8BFB-150CFD910DA2}" type="datetimeFigureOut">
               <a:rPr lang="en-US" smtClean="0"/>
-              <a:t>4/25/2018</a:t>
+              <a:t>5/2/2018</a:t>
             </a:fld>
             <a:endParaRPr lang="en-US"/>
           </a:p>
@@ -1995,7 +1999,7 @@
           <a:p>
             <a:fld id="{713DCFBF-1251-4F71-8BFB-150CFD910DA2}" type="datetimeFigureOut">
               <a:rPr lang="en-US" smtClean="0"/>
-              <a:t>4/25/2018</a:t>
+              <a:t>5/2/2018</a:t>
             </a:fld>
             <a:endParaRPr lang="en-US"/>
           </a:p>
@@ -2272,7 +2276,7 @@
           <a:p>
             <a:fld id="{713DCFBF-1251-4F71-8BFB-150CFD910DA2}" type="datetimeFigureOut">
               <a:rPr lang="en-US" smtClean="0"/>
-              <a:t>4/25/2018</a:t>
+              <a:t>5/2/2018</a:t>
             </a:fld>
             <a:endParaRPr lang="en-US"/>
           </a:p>
@@ -2525,7 +2529,7 @@
           <a:p>
             <a:fld id="{713DCFBF-1251-4F71-8BFB-150CFD910DA2}" type="datetimeFigureOut">
               <a:rPr lang="en-US" smtClean="0"/>
-              <a:t>4/25/2018</a:t>
+              <a:t>5/2/2018</a:t>
             </a:fld>
             <a:endParaRPr lang="en-US"/>
           </a:p>
@@ -2738,7 +2742,7 @@
           <a:p>
             <a:fld id="{713DCFBF-1251-4F71-8BFB-150CFD910DA2}" type="datetimeFigureOut">
               <a:rPr lang="en-US" smtClean="0"/>
-              <a:t>4/25/2018</a:t>
+              <a:t>5/2/2018</a:t>
             </a:fld>
             <a:endParaRPr lang="en-US"/>
           </a:p>
@@ -3166,7 +3170,6 @@
               <a:rPr lang="en-US" sz="5400" dirty="0" smtClean="0"/>
               <a:t>(write less, do more)</a:t>
             </a:r>
-            <a:endParaRPr lang="en-US" sz="5400" dirty="0" smtClean="0"/>
           </a:p>
         </p:txBody>
       </p:sp>
@@ -3332,7 +3335,6 @@
               <a:rPr lang="en-US" sz="3600" dirty="0" smtClean="0"/>
               <a:t>(first! download library at jquery.com)</a:t>
             </a:r>
-            <a:endParaRPr lang="en-US" sz="3600" dirty="0" smtClean="0"/>
           </a:p>
         </p:txBody>
       </p:sp>
@@ -3419,7 +3421,6 @@
               <a:rPr lang="en-US" sz="4400" dirty="0" smtClean="0"/>
               <a:t>’)</a:t>
             </a:r>
-            <a:endParaRPr lang="en-US" sz="4400" dirty="0" smtClean="0"/>
           </a:p>
         </p:txBody>
       </p:sp>
@@ -3491,11 +3492,6 @@
               </a:rPr>
               <a:t>Manipulating Styles</a:t>
             </a:r>
-            <a:endParaRPr lang="en-US" sz="4800" dirty="0" smtClean="0">
-              <a:solidFill>
-                <a:srgbClr val="FFFF00"/>
-              </a:solidFill>
-            </a:endParaRPr>
           </a:p>
           <a:p>
             <a:pPr algn="ctr"/>
@@ -3511,7 +3507,6 @@
               <a:rPr lang="en-US" sz="4400" dirty="0" smtClean="0"/>
               <a:t>()</a:t>
             </a:r>
-            <a:endParaRPr lang="en-US" sz="4400" dirty="0" smtClean="0"/>
           </a:p>
         </p:txBody>
       </p:sp>
@@ -4307,6 +4302,618 @@
 </p:sld>
 </file>
 
+<file path=ppt/slides/slide20.xml><?xml version="1.0" encoding="utf-8"?>
+<p:sld xmlns:a="http://schemas.openxmlformats.org/drawingml/2006/main" xmlns:r="http://schemas.openxmlformats.org/officeDocument/2006/relationships" xmlns:p="http://schemas.openxmlformats.org/presentationml/2006/main">
+  <p:cSld>
+    <p:spTree>
+      <p:nvGrpSpPr>
+        <p:cNvPr id="1" name=""/>
+        <p:cNvGrpSpPr/>
+        <p:nvPr/>
+      </p:nvGrpSpPr>
+      <p:grpSpPr>
+        <a:xfrm>
+          <a:off x="0" y="0"/>
+          <a:ext cx="0" cy="0"/>
+          <a:chOff x="0" y="0"/>
+          <a:chExt cx="0" cy="0"/>
+        </a:xfrm>
+      </p:grpSpPr>
+      <p:sp>
+        <p:nvSpPr>
+          <p:cNvPr id="4" name="TextBox 3"/>
+          <p:cNvSpPr txBox="1"/>
+          <p:nvPr/>
+        </p:nvSpPr>
+        <p:spPr>
+          <a:xfrm>
+            <a:off x="685800" y="2743200"/>
+            <a:ext cx="7620000" cy="830997"/>
+          </a:xfrm>
+          <a:prstGeom prst="rect">
+            <a:avLst/>
+          </a:prstGeom>
+          <a:noFill/>
+        </p:spPr>
+        <p:txBody>
+          <a:bodyPr wrap="square" rtlCol="0">
+            <a:spAutoFit/>
+          </a:bodyPr>
+          <a:lstStyle/>
+          <a:p>
+            <a:pPr algn="ctr"/>
+            <a:r>
+              <a:rPr lang="en-US" sz="4800" dirty="0" err="1" smtClean="0">
+                <a:solidFill>
+                  <a:srgbClr val="FFFF00"/>
+                </a:solidFill>
+              </a:rPr>
+              <a:t>jQuery</a:t>
+            </a:r>
+            <a:r>
+              <a:rPr lang="en-US" sz="4800" dirty="0" smtClean="0">
+                <a:solidFill>
+                  <a:srgbClr val="FFFF00"/>
+                </a:solidFill>
+              </a:rPr>
+              <a:t> </a:t>
+            </a:r>
+            <a:r>
+              <a:rPr lang="en-US" sz="4800" dirty="0" smtClean="0">
+                <a:solidFill>
+                  <a:srgbClr val="FFFF00"/>
+                </a:solidFill>
+              </a:rPr>
+              <a:t>DOM Traversal</a:t>
+            </a:r>
+            <a:endParaRPr lang="en-US" sz="4800" dirty="0" smtClean="0">
+              <a:solidFill>
+                <a:srgbClr val="FFFF00"/>
+              </a:solidFill>
+            </a:endParaRPr>
+          </a:p>
+        </p:txBody>
+      </p:sp>
+    </p:spTree>
+    <p:extLst>
+      <p:ext uri="{BB962C8B-B14F-4D97-AF65-F5344CB8AC3E}">
+        <p14:creationId xmlns:p14="http://schemas.microsoft.com/office/powerpoint/2010/main" val="3772935298"/>
+      </p:ext>
+    </p:extLst>
+  </p:cSld>
+  <p:clrMapOvr>
+    <a:masterClrMapping/>
+  </p:clrMapOvr>
+  <p:timing>
+    <p:tnLst>
+      <p:par>
+        <p:cTn id="1" dur="indefinite" restart="never" nodeType="tmRoot"/>
+      </p:par>
+    </p:tnLst>
+  </p:timing>
+</p:sld>
+</file>
+
+<file path=ppt/slides/slide21.xml><?xml version="1.0" encoding="utf-8"?>
+<p:sld xmlns:a="http://schemas.openxmlformats.org/drawingml/2006/main" xmlns:r="http://schemas.openxmlformats.org/officeDocument/2006/relationships" xmlns:p="http://schemas.openxmlformats.org/presentationml/2006/main">
+  <p:cSld>
+    <p:spTree>
+      <p:nvGrpSpPr>
+        <p:cNvPr id="1" name=""/>
+        <p:cNvGrpSpPr/>
+        <p:nvPr/>
+      </p:nvGrpSpPr>
+      <p:grpSpPr>
+        <a:xfrm>
+          <a:off x="0" y="0"/>
+          <a:ext cx="0" cy="0"/>
+          <a:chOff x="0" y="0"/>
+          <a:chExt cx="0" cy="0"/>
+        </a:xfrm>
+      </p:grpSpPr>
+      <p:sp>
+        <p:nvSpPr>
+          <p:cNvPr id="4" name="TextBox 3"/>
+          <p:cNvSpPr txBox="1"/>
+          <p:nvPr/>
+        </p:nvSpPr>
+        <p:spPr>
+          <a:xfrm>
+            <a:off x="685800" y="1132106"/>
+            <a:ext cx="7620000" cy="4770537"/>
+          </a:xfrm>
+          <a:prstGeom prst="rect">
+            <a:avLst/>
+          </a:prstGeom>
+          <a:noFill/>
+        </p:spPr>
+        <p:txBody>
+          <a:bodyPr wrap="square" rtlCol="0">
+            <a:spAutoFit/>
+          </a:bodyPr>
+          <a:lstStyle/>
+          <a:p>
+            <a:r>
+              <a:rPr lang="en-US" sz="4800" dirty="0" smtClean="0">
+                <a:solidFill>
+                  <a:srgbClr val="FFFF00"/>
+                </a:solidFill>
+              </a:rPr>
+              <a:t>Traversal Methods </a:t>
+            </a:r>
+            <a:r>
+              <a:rPr lang="en-US" sz="4800" dirty="0" smtClean="0">
+                <a:solidFill>
+                  <a:srgbClr val="FFFF00"/>
+                </a:solidFill>
+              </a:rPr>
+              <a:t>(Common)</a:t>
+            </a:r>
+          </a:p>
+          <a:p>
+            <a:endParaRPr lang="en-US" sz="3200" dirty="0" smtClean="0">
+              <a:solidFill>
+                <a:srgbClr val="00B050"/>
+              </a:solidFill>
+            </a:endParaRPr>
+          </a:p>
+          <a:p>
+            <a:r>
+              <a:rPr lang="en-US" sz="3200" dirty="0">
+                <a:solidFill>
+                  <a:srgbClr val="00B050"/>
+                </a:solidFill>
+              </a:rPr>
+              <a:t>f</a:t>
+            </a:r>
+            <a:r>
+              <a:rPr lang="en-US" sz="3200" dirty="0" smtClean="0">
+                <a:solidFill>
+                  <a:srgbClr val="00B050"/>
+                </a:solidFill>
+              </a:rPr>
+              <a:t>ind()</a:t>
+            </a:r>
+            <a:endParaRPr lang="en-US" sz="3200" dirty="0" smtClean="0">
+              <a:solidFill>
+                <a:srgbClr val="00B050"/>
+              </a:solidFill>
+            </a:endParaRPr>
+          </a:p>
+          <a:p>
+            <a:r>
+              <a:rPr lang="en-US" sz="3200" dirty="0" smtClean="0">
+                <a:solidFill>
+                  <a:srgbClr val="00B050"/>
+                </a:solidFill>
+              </a:rPr>
+              <a:t>siblings()</a:t>
+            </a:r>
+          </a:p>
+          <a:p>
+            <a:r>
+              <a:rPr lang="en-US" sz="3200" dirty="0" smtClean="0">
+                <a:solidFill>
+                  <a:srgbClr val="00B050"/>
+                </a:solidFill>
+              </a:rPr>
+              <a:t>children()</a:t>
+            </a:r>
+            <a:endParaRPr lang="en-US" sz="3200" dirty="0" smtClean="0">
+              <a:solidFill>
+                <a:srgbClr val="00B050"/>
+              </a:solidFill>
+            </a:endParaRPr>
+          </a:p>
+          <a:p>
+            <a:r>
+              <a:rPr lang="en-US" sz="3200" dirty="0" smtClean="0">
+                <a:solidFill>
+                  <a:srgbClr val="00B050"/>
+                </a:solidFill>
+              </a:rPr>
+              <a:t>parent()</a:t>
+            </a:r>
+            <a:endParaRPr lang="en-US" sz="3200" dirty="0" smtClean="0">
+              <a:solidFill>
+                <a:srgbClr val="00B050"/>
+              </a:solidFill>
+            </a:endParaRPr>
+          </a:p>
+          <a:p>
+            <a:r>
+              <a:rPr lang="en-US" sz="3200" dirty="0" smtClean="0">
+                <a:solidFill>
+                  <a:srgbClr val="00B050"/>
+                </a:solidFill>
+              </a:rPr>
+              <a:t>parents</a:t>
+            </a:r>
+            <a:r>
+              <a:rPr lang="en-US" sz="3200" dirty="0" smtClean="0">
+                <a:solidFill>
+                  <a:srgbClr val="00B050"/>
+                </a:solidFill>
+              </a:rPr>
+              <a:t>()</a:t>
+            </a:r>
+          </a:p>
+          <a:p>
+            <a:r>
+              <a:rPr lang="en-US" sz="3200" dirty="0" smtClean="0">
+                <a:solidFill>
+                  <a:srgbClr val="00B050"/>
+                </a:solidFill>
+              </a:rPr>
+              <a:t>has()</a:t>
+            </a:r>
+          </a:p>
+          <a:p>
+            <a:r>
+              <a:rPr lang="en-US" sz="3200" dirty="0" err="1" smtClean="0">
+                <a:solidFill>
+                  <a:srgbClr val="00B050"/>
+                </a:solidFill>
+              </a:rPr>
+              <a:t>eq</a:t>
+            </a:r>
+            <a:r>
+              <a:rPr lang="en-US" sz="3200" dirty="0" smtClean="0">
+                <a:solidFill>
+                  <a:srgbClr val="00B050"/>
+                </a:solidFill>
+              </a:rPr>
+              <a:t>()</a:t>
+            </a:r>
+            <a:endParaRPr lang="en-US" sz="3200" dirty="0" smtClean="0">
+              <a:solidFill>
+                <a:srgbClr val="00B050"/>
+              </a:solidFill>
+            </a:endParaRPr>
+          </a:p>
+        </p:txBody>
+      </p:sp>
+    </p:spTree>
+    <p:extLst>
+      <p:ext uri="{BB962C8B-B14F-4D97-AF65-F5344CB8AC3E}">
+        <p14:creationId xmlns:p14="http://schemas.microsoft.com/office/powerpoint/2010/main" val="3275683259"/>
+      </p:ext>
+    </p:extLst>
+  </p:cSld>
+  <p:clrMapOvr>
+    <a:masterClrMapping/>
+  </p:clrMapOvr>
+  <p:timing>
+    <p:tnLst>
+      <p:par>
+        <p:cTn id="1" dur="indefinite" restart="never" nodeType="tmRoot"/>
+      </p:par>
+    </p:tnLst>
+  </p:timing>
+</p:sld>
+</file>
+
+<file path=ppt/slides/slide22.xml><?xml version="1.0" encoding="utf-8"?>
+<p:sld xmlns:a="http://schemas.openxmlformats.org/drawingml/2006/main" xmlns:r="http://schemas.openxmlformats.org/officeDocument/2006/relationships" xmlns:p="http://schemas.openxmlformats.org/presentationml/2006/main">
+  <p:cSld>
+    <p:spTree>
+      <p:nvGrpSpPr>
+        <p:cNvPr id="1" name=""/>
+        <p:cNvGrpSpPr/>
+        <p:nvPr/>
+      </p:nvGrpSpPr>
+      <p:grpSpPr>
+        <a:xfrm>
+          <a:off x="0" y="0"/>
+          <a:ext cx="0" cy="0"/>
+          <a:chOff x="0" y="0"/>
+          <a:chExt cx="0" cy="0"/>
+        </a:xfrm>
+      </p:grpSpPr>
+      <p:sp>
+        <p:nvSpPr>
+          <p:cNvPr id="4" name="TextBox 3"/>
+          <p:cNvSpPr txBox="1"/>
+          <p:nvPr/>
+        </p:nvSpPr>
+        <p:spPr>
+          <a:xfrm>
+            <a:off x="685800" y="1132106"/>
+            <a:ext cx="7620000" cy="5262979"/>
+          </a:xfrm>
+          <a:prstGeom prst="rect">
+            <a:avLst/>
+          </a:prstGeom>
+          <a:noFill/>
+        </p:spPr>
+        <p:txBody>
+          <a:bodyPr wrap="square" rtlCol="0">
+            <a:spAutoFit/>
+          </a:bodyPr>
+          <a:lstStyle/>
+          <a:p>
+            <a:r>
+              <a:rPr lang="en-US" sz="4800" dirty="0" smtClean="0">
+                <a:solidFill>
+                  <a:srgbClr val="FFFF00"/>
+                </a:solidFill>
+              </a:rPr>
+              <a:t>Traversal Methods </a:t>
+            </a:r>
+            <a:r>
+              <a:rPr lang="en-US" sz="4800" dirty="0" smtClean="0">
+                <a:solidFill>
+                  <a:srgbClr val="FFFF00"/>
+                </a:solidFill>
+              </a:rPr>
+              <a:t>(Common)</a:t>
+            </a:r>
+          </a:p>
+          <a:p>
+            <a:endParaRPr lang="en-US" sz="3200" dirty="0" smtClean="0">
+              <a:solidFill>
+                <a:srgbClr val="00B050"/>
+              </a:solidFill>
+            </a:endParaRPr>
+          </a:p>
+          <a:p>
+            <a:r>
+              <a:rPr lang="en-US" sz="3200" dirty="0">
+                <a:solidFill>
+                  <a:srgbClr val="00B050"/>
+                </a:solidFill>
+              </a:rPr>
+              <a:t>f</a:t>
+            </a:r>
+            <a:r>
+              <a:rPr lang="en-US" sz="3200" dirty="0" smtClean="0">
+                <a:solidFill>
+                  <a:srgbClr val="00B050"/>
+                </a:solidFill>
+              </a:rPr>
+              <a:t>ilter()</a:t>
+            </a:r>
+          </a:p>
+          <a:p>
+            <a:r>
+              <a:rPr lang="en-US" sz="3200" dirty="0">
+                <a:solidFill>
+                  <a:srgbClr val="00B050"/>
+                </a:solidFill>
+              </a:rPr>
+              <a:t>f</a:t>
+            </a:r>
+            <a:r>
+              <a:rPr lang="en-US" sz="3200" dirty="0" smtClean="0">
+                <a:solidFill>
+                  <a:srgbClr val="00B050"/>
+                </a:solidFill>
+              </a:rPr>
+              <a:t>irst()</a:t>
+            </a:r>
+          </a:p>
+          <a:p>
+            <a:r>
+              <a:rPr lang="en-US" sz="3200" dirty="0">
+                <a:solidFill>
+                  <a:srgbClr val="00B050"/>
+                </a:solidFill>
+              </a:rPr>
+              <a:t>l</a:t>
+            </a:r>
+            <a:r>
+              <a:rPr lang="en-US" sz="3200" dirty="0" smtClean="0">
+                <a:solidFill>
+                  <a:srgbClr val="00B050"/>
+                </a:solidFill>
+              </a:rPr>
+              <a:t>ast()</a:t>
+            </a:r>
+          </a:p>
+          <a:p>
+            <a:r>
+              <a:rPr lang="en-US" sz="3200" dirty="0">
+                <a:solidFill>
+                  <a:srgbClr val="00B050"/>
+                </a:solidFill>
+              </a:rPr>
+              <a:t>n</a:t>
+            </a:r>
+            <a:r>
+              <a:rPr lang="en-US" sz="3200" dirty="0" smtClean="0">
+                <a:solidFill>
+                  <a:srgbClr val="00B050"/>
+                </a:solidFill>
+              </a:rPr>
+              <a:t>ext()</a:t>
+            </a:r>
+          </a:p>
+          <a:p>
+            <a:r>
+              <a:rPr lang="en-US" sz="3200" dirty="0" err="1" smtClean="0">
+                <a:solidFill>
+                  <a:srgbClr val="00B050"/>
+                </a:solidFill>
+              </a:rPr>
+              <a:t>prev</a:t>
+            </a:r>
+            <a:r>
+              <a:rPr lang="en-US" sz="3200" dirty="0" smtClean="0">
+                <a:solidFill>
+                  <a:srgbClr val="00B050"/>
+                </a:solidFill>
+              </a:rPr>
+              <a:t>()</a:t>
+            </a:r>
+          </a:p>
+          <a:p>
+            <a:r>
+              <a:rPr lang="en-US" sz="3200" dirty="0">
+                <a:solidFill>
+                  <a:srgbClr val="00B050"/>
+                </a:solidFill>
+              </a:rPr>
+              <a:t>n</a:t>
+            </a:r>
+            <a:r>
+              <a:rPr lang="en-US" sz="3200" dirty="0" smtClean="0">
+                <a:solidFill>
+                  <a:srgbClr val="00B050"/>
+                </a:solidFill>
+              </a:rPr>
+              <a:t>ot()</a:t>
+            </a:r>
+          </a:p>
+          <a:p>
+            <a:r>
+              <a:rPr lang="en-US" sz="3200" dirty="0">
+                <a:solidFill>
+                  <a:srgbClr val="00B050"/>
+                </a:solidFill>
+              </a:rPr>
+              <a:t>c</a:t>
+            </a:r>
+            <a:r>
+              <a:rPr lang="en-US" sz="3200" dirty="0" smtClean="0">
+                <a:solidFill>
+                  <a:srgbClr val="00B050"/>
+                </a:solidFill>
+              </a:rPr>
+              <a:t>losest()</a:t>
+            </a:r>
+            <a:endParaRPr lang="en-US" sz="3200" dirty="0" smtClean="0">
+              <a:solidFill>
+                <a:srgbClr val="00B050"/>
+              </a:solidFill>
+            </a:endParaRPr>
+          </a:p>
+          <a:p>
+            <a:endParaRPr lang="en-US" sz="3200" dirty="0" smtClean="0">
+              <a:solidFill>
+                <a:srgbClr val="00B050"/>
+              </a:solidFill>
+            </a:endParaRPr>
+          </a:p>
+        </p:txBody>
+      </p:sp>
+    </p:spTree>
+    <p:extLst>
+      <p:ext uri="{BB962C8B-B14F-4D97-AF65-F5344CB8AC3E}">
+        <p14:creationId xmlns:p14="http://schemas.microsoft.com/office/powerpoint/2010/main" val="839181928"/>
+      </p:ext>
+    </p:extLst>
+  </p:cSld>
+  <p:clrMapOvr>
+    <a:masterClrMapping/>
+  </p:clrMapOvr>
+  <p:timing>
+    <p:tnLst>
+      <p:par>
+        <p:cTn id="1" dur="indefinite" restart="never" nodeType="tmRoot"/>
+      </p:par>
+    </p:tnLst>
+  </p:timing>
+</p:sld>
+</file>
+
+<file path=ppt/slides/slide23.xml><?xml version="1.0" encoding="utf-8"?>
+<p:sld xmlns:a="http://schemas.openxmlformats.org/drawingml/2006/main" xmlns:r="http://schemas.openxmlformats.org/officeDocument/2006/relationships" xmlns:p="http://schemas.openxmlformats.org/presentationml/2006/main">
+  <p:cSld>
+    <p:spTree>
+      <p:nvGrpSpPr>
+        <p:cNvPr id="1" name=""/>
+        <p:cNvGrpSpPr/>
+        <p:nvPr/>
+      </p:nvGrpSpPr>
+      <p:grpSpPr>
+        <a:xfrm>
+          <a:off x="0" y="0"/>
+          <a:ext cx="0" cy="0"/>
+          <a:chOff x="0" y="0"/>
+          <a:chExt cx="0" cy="0"/>
+        </a:xfrm>
+      </p:grpSpPr>
+      <p:sp>
+        <p:nvSpPr>
+          <p:cNvPr id="4" name="TextBox 3"/>
+          <p:cNvSpPr txBox="1"/>
+          <p:nvPr/>
+        </p:nvSpPr>
+        <p:spPr>
+          <a:xfrm>
+            <a:off x="381000" y="2598003"/>
+            <a:ext cx="8382000" cy="2308324"/>
+          </a:xfrm>
+          <a:prstGeom prst="rect">
+            <a:avLst/>
+          </a:prstGeom>
+          <a:noFill/>
+        </p:spPr>
+        <p:txBody>
+          <a:bodyPr wrap="square" rtlCol="0">
+            <a:spAutoFit/>
+          </a:bodyPr>
+          <a:lstStyle/>
+          <a:p>
+            <a:pPr algn="ctr"/>
+            <a:r>
+              <a:rPr lang="en-US" sz="4800" dirty="0" smtClean="0">
+                <a:solidFill>
+                  <a:srgbClr val="FFFF00"/>
+                </a:solidFill>
+              </a:rPr>
+              <a:t>Simple Application using jQuery</a:t>
+            </a:r>
+          </a:p>
+          <a:p>
+            <a:pPr algn="ctr"/>
+            <a:r>
+              <a:rPr lang="en-US" sz="4800" dirty="0" smtClean="0">
+                <a:solidFill>
+                  <a:srgbClr val="FFFF00"/>
+                </a:solidFill>
+              </a:rPr>
+              <a:t>Accordion UI</a:t>
+            </a:r>
+          </a:p>
+          <a:p>
+            <a:pPr algn="ctr"/>
+            <a:r>
+              <a:rPr lang="en-US" sz="4800" dirty="0" smtClean="0">
+                <a:solidFill>
+                  <a:srgbClr val="FFFF00"/>
+                </a:solidFill>
+              </a:rPr>
+              <a:t>(non-strict, strict)</a:t>
+            </a:r>
+            <a:endParaRPr lang="en-US" sz="4800" dirty="0" smtClean="0">
+              <a:solidFill>
+                <a:srgbClr val="FFFF00"/>
+              </a:solidFill>
+            </a:endParaRPr>
+          </a:p>
+        </p:txBody>
+      </p:sp>
+    </p:spTree>
+    <p:extLst>
+      <p:ext uri="{BB962C8B-B14F-4D97-AF65-F5344CB8AC3E}">
+        <p14:creationId xmlns:p14="http://schemas.microsoft.com/office/powerpoint/2010/main" val="1669290883"/>
+      </p:ext>
+    </p:extLst>
+  </p:cSld>
+  <p:clrMapOvr>
+    <a:masterClrMapping/>
+  </p:clrMapOvr>
+  <p:timing>
+    <p:tnLst>
+      <p:par>
+        <p:cTn id="1" dur="indefinite" restart="never" nodeType="tmRoot"/>
+      </p:par>
+    </p:tnLst>
+  </p:timing>
+</p:sld>
+</file>
+
 <file path=ppt/slides/slide3.xml><?xml version="1.0" encoding="utf-8"?>
 <p:sld xmlns:a="http://schemas.openxmlformats.org/drawingml/2006/main" xmlns:r="http://schemas.openxmlformats.org/officeDocument/2006/relationships" xmlns:p="http://schemas.openxmlformats.org/presentationml/2006/main">
   <p:cSld>
@@ -4363,7 +4970,6 @@
               <a:rPr lang="en-US" sz="4800" dirty="0" smtClean="0"/>
               <a:t> Manipulation Library</a:t>
             </a:r>
-            <a:endParaRPr lang="en-US" sz="4800" dirty="0" smtClean="0"/>
           </a:p>
         </p:txBody>
       </p:sp>
@@ -4431,7 +5037,6 @@
               <a:rPr lang="en-US" sz="4800" dirty="0" smtClean="0"/>
               <a:t>It makes HTML document traversal and manipulation, event  handling, animation and AJAX much simpler</a:t>
             </a:r>
-            <a:endParaRPr lang="en-US" sz="4800" dirty="0" smtClean="0"/>
           </a:p>
         </p:txBody>
       </p:sp>
@@ -4499,7 +5104,6 @@
               <a:rPr lang="en-US" sz="4800" dirty="0" smtClean="0"/>
               <a:t>jQuery changed the ways that millions of people write JavaScript</a:t>
             </a:r>
-            <a:endParaRPr lang="en-US" sz="4800" dirty="0" smtClean="0"/>
           </a:p>
         </p:txBody>
       </p:sp>
